--- a/Using ProDiscover.pptx
+++ b/Using ProDiscover.pptx
@@ -3797,6 +3797,48 @@
           <a:xfrm>
             <a:off x="2590800" y="914400"/>
             <a:ext cx="1961130" cy="2755690"/>
+          </a:xfrm>
+          <a:prstGeom prst="rect">
+            <a:avLst/>
+          </a:prstGeom>
+          <a:ln w="228600" cap="sq" cmpd="thickThin">
+            <a:solidFill>
+              <a:schemeClr val="tx2"/>
+            </a:solidFill>
+            <a:prstDash val="solid"/>
+            <a:miter lim="800000"/>
+          </a:ln>
+          <a:effectLst>
+            <a:innerShdw blurRad="76200">
+              <a:srgbClr val="000000"/>
+            </a:innerShdw>
+          </a:effectLst>
+        </p:spPr>
+      </p:pic>
+      <p:pic>
+        <p:nvPicPr>
+          <p:cNvPr id="5" name="Picture 4"/>
+          <p:cNvPicPr>
+            <a:picLocks noChangeAspect="1"/>
+          </p:cNvPicPr>
+          <p:nvPr/>
+        </p:nvPicPr>
+        <p:blipFill>
+          <a:blip r:embed="rId3" cstate="print">
+            <a:extLst>
+              <a:ext uri="{28A0092B-C50C-407E-A947-70E740481C1C}">
+                <a14:useLocalDpi xmlns:a14="http://schemas.microsoft.com/office/drawing/2010/main" val="0"/>
+              </a:ext>
+            </a:extLst>
+          </a:blip>
+          <a:stretch>
+            <a:fillRect/>
+          </a:stretch>
+        </p:blipFill>
+        <p:spPr>
+          <a:xfrm>
+            <a:off x="8229600" y="896983"/>
+            <a:ext cx="2077470" cy="2790524"/>
           </a:xfrm>
           <a:prstGeom prst="rect">
             <a:avLst/>
